--- a/poster/odissei_poster.pptx
+++ b/poster/odissei_poster.pptx
@@ -3309,7 +3309,7 @@
                 </a:solidFill>
                 <a:latin typeface=""/>
               </a:rPr>
-              <a:t>Davide Cielin</a:t>
+              <a:t>Davide Ceolin</a:t>
             </a:r>
             <a:r>
               <a:rPr lang="en-NL" sz="5600" dirty="0">

--- a/poster/odissei_poster.pptx
+++ b/poster/odissei_poster.pptx
@@ -243,7 +243,7 @@
           <a:p>
             <a:fld id="{BB2B5A54-FB28-9048-ABAC-E1CC79769BED}" type="datetimeFigureOut">
               <a:rPr lang="en-NL" smtClean="0"/>
-              <a:t>16/10/2023</a:t>
+              <a:t>26/10/2023</a:t>
             </a:fld>
             <a:endParaRPr lang="en-NL"/>
           </a:p>
@@ -413,7 +413,7 @@
           <a:p>
             <a:fld id="{BB2B5A54-FB28-9048-ABAC-E1CC79769BED}" type="datetimeFigureOut">
               <a:rPr lang="en-NL" smtClean="0"/>
-              <a:t>16/10/2023</a:t>
+              <a:t>26/10/2023</a:t>
             </a:fld>
             <a:endParaRPr lang="en-NL"/>
           </a:p>
@@ -593,7 +593,7 @@
           <a:p>
             <a:fld id="{BB2B5A54-FB28-9048-ABAC-E1CC79769BED}" type="datetimeFigureOut">
               <a:rPr lang="en-NL" smtClean="0"/>
-              <a:t>16/10/2023</a:t>
+              <a:t>26/10/2023</a:t>
             </a:fld>
             <a:endParaRPr lang="en-NL"/>
           </a:p>
@@ -763,7 +763,7 @@
           <a:p>
             <a:fld id="{BB2B5A54-FB28-9048-ABAC-E1CC79769BED}" type="datetimeFigureOut">
               <a:rPr lang="en-NL" smtClean="0"/>
-              <a:t>16/10/2023</a:t>
+              <a:t>26/10/2023</a:t>
             </a:fld>
             <a:endParaRPr lang="en-NL"/>
           </a:p>
@@ -1007,7 +1007,7 @@
           <a:p>
             <a:fld id="{BB2B5A54-FB28-9048-ABAC-E1CC79769BED}" type="datetimeFigureOut">
               <a:rPr lang="en-NL" smtClean="0"/>
-              <a:t>16/10/2023</a:t>
+              <a:t>26/10/2023</a:t>
             </a:fld>
             <a:endParaRPr lang="en-NL"/>
           </a:p>
@@ -1239,7 +1239,7 @@
           <a:p>
             <a:fld id="{BB2B5A54-FB28-9048-ABAC-E1CC79769BED}" type="datetimeFigureOut">
               <a:rPr lang="en-NL" smtClean="0"/>
-              <a:t>16/10/2023</a:t>
+              <a:t>26/10/2023</a:t>
             </a:fld>
             <a:endParaRPr lang="en-NL"/>
           </a:p>
@@ -1606,7 +1606,7 @@
           <a:p>
             <a:fld id="{BB2B5A54-FB28-9048-ABAC-E1CC79769BED}" type="datetimeFigureOut">
               <a:rPr lang="en-NL" smtClean="0"/>
-              <a:t>16/10/2023</a:t>
+              <a:t>26/10/2023</a:t>
             </a:fld>
             <a:endParaRPr lang="en-NL"/>
           </a:p>
@@ -1724,7 +1724,7 @@
           <a:p>
             <a:fld id="{BB2B5A54-FB28-9048-ABAC-E1CC79769BED}" type="datetimeFigureOut">
               <a:rPr lang="en-NL" smtClean="0"/>
-              <a:t>16/10/2023</a:t>
+              <a:t>26/10/2023</a:t>
             </a:fld>
             <a:endParaRPr lang="en-NL"/>
           </a:p>
@@ -1819,7 +1819,7 @@
           <a:p>
             <a:fld id="{BB2B5A54-FB28-9048-ABAC-E1CC79769BED}" type="datetimeFigureOut">
               <a:rPr lang="en-NL" smtClean="0"/>
-              <a:t>16/10/2023</a:t>
+              <a:t>26/10/2023</a:t>
             </a:fld>
             <a:endParaRPr lang="en-NL"/>
           </a:p>
@@ -2096,7 +2096,7 @@
           <a:p>
             <a:fld id="{BB2B5A54-FB28-9048-ABAC-E1CC79769BED}" type="datetimeFigureOut">
               <a:rPr lang="en-NL" smtClean="0"/>
-              <a:t>16/10/2023</a:t>
+              <a:t>26/10/2023</a:t>
             </a:fld>
             <a:endParaRPr lang="en-NL"/>
           </a:p>
@@ -2353,7 +2353,7 @@
           <a:p>
             <a:fld id="{BB2B5A54-FB28-9048-ABAC-E1CC79769BED}" type="datetimeFigureOut">
               <a:rPr lang="en-NL" smtClean="0"/>
-              <a:t>16/10/2023</a:t>
+              <a:t>26/10/2023</a:t>
             </a:fld>
             <a:endParaRPr lang="en-NL"/>
           </a:p>
@@ -2566,7 +2566,7 @@
           <a:p>
             <a:fld id="{BB2B5A54-FB28-9048-ABAC-E1CC79769BED}" type="datetimeFigureOut">
               <a:rPr lang="en-NL" smtClean="0"/>
-              <a:t>16/10/2023</a:t>
+              <a:t>26/10/2023</a:t>
             </a:fld>
             <a:endParaRPr lang="en-NL"/>
           </a:p>
@@ -3092,8 +3092,8 @@
         </p:nvSpPr>
         <p:spPr>
           <a:xfrm>
-            <a:off x="10629204" y="7333381"/>
-            <a:ext cx="19151600" cy="3291801"/>
+            <a:off x="10629204" y="6950610"/>
+            <a:ext cx="19151600" cy="1369511"/>
           </a:xfrm>
           <a:prstGeom prst="rect">
             <a:avLst/>
@@ -3101,7 +3101,7 @@
         </p:spPr>
         <p:txBody>
           <a:bodyPr vert="horz" lIns="91440" tIns="45720" rIns="91440" bIns="45720" rtlCol="0">
-            <a:normAutofit fontScale="55000" lnSpcReduction="20000"/>
+            <a:normAutofit/>
           </a:bodyPr>
           <a:lstStyle>
             <a:lvl1pPr marL="0" indent="0" algn="ctr" defTabSz="3027487" rtl="0" eaLnBrk="1" latinLnBrk="0" hangingPunct="1">
@@ -3269,7 +3269,7 @@
           </a:lstStyle>
           <a:p>
             <a:r>
-              <a:rPr lang="en-NL" sz="5600" dirty="0">
+              <a:rPr lang="en-NL" sz="3100" dirty="0">
                 <a:solidFill>
                   <a:srgbClr val="00ACDC"/>
                 </a:solidFill>
@@ -3278,7 +3278,7 @@
               <a:t>Ji Qi</a:t>
             </a:r>
             <a:r>
-              <a:rPr lang="en-NL" sz="5600" dirty="0">
+              <a:rPr lang="en-NL" sz="3100" dirty="0">
                 <a:latin typeface=""/>
               </a:rPr>
               <a:t>, Research Software Engineer, Social Science and Humanities Section, Netherlands eScience Center</a:t>
@@ -3286,7 +3286,7 @@
           </a:p>
           <a:p>
             <a:r>
-              <a:rPr lang="en-NL" sz="5600" dirty="0">
+              <a:rPr lang="en-NL" sz="3100" dirty="0">
                 <a:solidFill>
                   <a:srgbClr val="00ACDC"/>
                 </a:solidFill>
@@ -3295,39 +3295,14 @@
               <a:t>Atefeh Keshavarzi Zafarghandi</a:t>
             </a:r>
             <a:r>
-              <a:rPr lang="en-NL" sz="5600" dirty="0">
+              <a:rPr lang="en-NL" sz="3100" dirty="0">
                 <a:latin typeface=""/>
               </a:rPr>
-              <a:t>, Human-Centered Data Analysis, Centrum Wiskunde &amp; Informatica</a:t>
-            </a:r>
-          </a:p>
-          <a:p>
-            <a:r>
-              <a:rPr lang="en-NL" sz="5600" dirty="0">
-                <a:solidFill>
-                  <a:srgbClr val="00ACDC"/>
-                </a:solidFill>
-                <a:latin typeface=""/>
-              </a:rPr>
-              <a:t>Davide Ceolin</a:t>
-            </a:r>
-            <a:r>
-              <a:rPr lang="en-NL" sz="5600" dirty="0">
-                <a:latin typeface=""/>
-              </a:rPr>
-              <a:t>, Human-Centered Data Analysis, Centrum Wiskunde &amp; Informatica</a:t>
-            </a:r>
-          </a:p>
-          <a:p>
-            <a:r>
-              <a:rPr lang="en-NL" sz="5600" dirty="0">
-                <a:latin typeface=""/>
-              </a:rPr>
-              <a:t>j.qi@esciencecenter.nl, akz@cwi.nl, davide@cwi.nl</a:t>
-            </a:r>
-          </a:p>
-          <a:p>
-            <a:endParaRPr lang="en-NL" sz="4800" dirty="0">
+              <a:t>, Human-Centered Data Analysis, Centrum Wiskunde &amp; Informatica;</a:t>
+            </a:r>
+          </a:p>
+          <a:p>
+            <a:endParaRPr lang="en-NL" sz="3100" dirty="0">
               <a:latin typeface=""/>
             </a:endParaRPr>
           </a:p>
@@ -3347,7 +3322,7 @@
         </p:nvGrpSpPr>
         <p:grpSpPr>
           <a:xfrm>
-            <a:off x="1329084" y="4043076"/>
+            <a:off x="1329084" y="3341330"/>
             <a:ext cx="7541534" cy="3351001"/>
             <a:chOff x="10629204" y="10362990"/>
             <a:chExt cx="7541534" cy="3351001"/>
@@ -4246,29 +4221,29 @@
           <a:p>
             <a:pPr algn="l"/>
             <a:r>
-              <a:rPr lang="en-US" sz="4000" b="0" i="0" dirty="0">
+              <a:rPr lang="en-US" sz="3600" b="0" i="0" dirty="0">
                 <a:solidFill>
                   <a:srgbClr val="1F2328"/>
                 </a:solidFill>
                 <a:effectLst/>
-                <a:latin typeface="-apple-system"/>
+                <a:latin typeface=""/>
               </a:rPr>
               <a:t>This study focuses on the creation of a valuable resource powered by formal argumentation for new users by effectively analyzing product reviews </a:t>
             </a:r>
             <a:r>
-              <a:rPr lang="en-US" sz="4000" b="0" i="0" dirty="0">
+              <a:rPr lang="en-US" sz="3600" b="0" i="0" dirty="0">
                 <a:effectLst/>
-                <a:latin typeface="-apple-system"/>
+                <a:latin typeface=""/>
               </a:rPr>
               <a:t>and highlighting the strengths and weaknesses associated with different aspects </a:t>
             </a:r>
             <a:r>
-              <a:rPr lang="en-US" sz="4000" b="0" i="0" dirty="0">
+              <a:rPr lang="en-US" sz="3600" b="0" i="0" dirty="0">
                 <a:solidFill>
                   <a:srgbClr val="1F2328"/>
                 </a:solidFill>
                 <a:effectLst/>
-                <a:latin typeface="-apple-system"/>
+                <a:latin typeface=""/>
               </a:rPr>
               <a:t>of a product. </a:t>
             </a:r>
@@ -4280,7 +4255,7 @@
                 <a:solidFill>
                   <a:srgbClr val="1F2328"/>
                 </a:solidFill>
-                <a:latin typeface="-apple-system"/>
+                <a:latin typeface=""/>
               </a:rPr>
               <a:t>Imagine that there are three</a:t>
             </a:r>
@@ -4290,7 +4265,7 @@
                   <a:srgbClr val="1F2328"/>
                 </a:solidFill>
                 <a:effectLst/>
-                <a:latin typeface="-apple-system"/>
+                <a:latin typeface=""/>
               </a:rPr>
               <a:t> reviews given for shoes:</a:t>
             </a:r>
@@ -4337,74 +4312,113 @@
           <a:p>
             <a:r>
               <a:rPr lang="en-NL" sz="4000" dirty="0"/>
-              <a:t>☆★★★★  R1: “</a:t>
-            </a:r>
-            <a:r>
-              <a:rPr lang="en-NL" sz="3600" i="1" dirty="0"/>
+              <a:t>★★★★☆  </a:t>
+            </a:r>
+            <a:r>
+              <a:rPr lang="en-NL" sz="3600" dirty="0">
+                <a:latin typeface=""/>
+              </a:rPr>
+              <a:t>R1: “</a:t>
+            </a:r>
+            <a:r>
+              <a:rPr lang="en-NL" sz="3200" i="1" dirty="0">
+                <a:latin typeface=""/>
+              </a:rPr>
               <a:t>They are always </a:t>
             </a:r>
             <a:r>
-              <a:rPr lang="en-NL" sz="3600" i="1" dirty="0">
+              <a:rPr lang="en-NL" sz="3200" i="1" dirty="0">
                 <a:solidFill>
                   <a:srgbClr val="F1A944"/>
                 </a:solidFill>
+                <a:latin typeface=""/>
               </a:rPr>
               <a:t>well built </a:t>
             </a:r>
             <a:r>
-              <a:rPr lang="en-NL" sz="3600" i="1" dirty="0"/>
+              <a:rPr lang="en-NL" sz="3200" i="1" dirty="0">
+                <a:latin typeface=""/>
+              </a:rPr>
               <a:t>and last me quite a few years. The only downside is they tend to be a bit pricey.”</a:t>
             </a:r>
             <a:r>
+              <a:rPr lang="en-NL" sz="3600" dirty="0">
+                <a:latin typeface=""/>
+              </a:rPr>
+              <a:t> </a:t>
+            </a:r>
+          </a:p>
+          <a:p>
+            <a:r>
               <a:rPr lang="en-NL" sz="4000" dirty="0"/>
-              <a:t> </a:t>
-            </a:r>
-          </a:p>
-          <a:p>
-            <a:r>
-              <a:rPr lang="en-NL" sz="4000" dirty="0"/>
-              <a:t>☆☆☆☆★  R2: “</a:t>
-            </a:r>
-            <a:r>
-              <a:rPr lang="en-NL" sz="3600" i="1" dirty="0"/>
+              <a:t>★☆☆☆☆  </a:t>
+            </a:r>
+            <a:r>
+              <a:rPr lang="en-NL" sz="3600" dirty="0">
+                <a:latin typeface=""/>
+              </a:rPr>
+              <a:t>R2: “</a:t>
+            </a:r>
+            <a:r>
+              <a:rPr lang="en-NL" sz="3200" i="1" dirty="0">
+                <a:latin typeface=""/>
+              </a:rPr>
               <a:t>My shoes are </a:t>
             </a:r>
             <a:r>
-              <a:rPr lang="en-NL" sz="3600" i="1" dirty="0">
+              <a:rPr lang="en-NL" sz="3200" i="1" dirty="0">
                 <a:solidFill>
                   <a:srgbClr val="F1A944"/>
                 </a:solidFill>
+                <a:latin typeface=""/>
               </a:rPr>
               <a:t>damaged</a:t>
             </a:r>
             <a:r>
-              <a:rPr lang="en-NL" sz="3600" i="1" dirty="0"/>
+              <a:rPr lang="en-NL" sz="3200" i="1" dirty="0">
+                <a:latin typeface=""/>
+              </a:rPr>
               <a:t> </a:t>
             </a:r>
             <a:r>
-              <a:rPr lang="en-NL" sz="3600" i="1" dirty="0">
+              <a:rPr lang="en-NL" sz="3200" i="1" dirty="0">
                 <a:solidFill>
                   <a:srgbClr val="F1A944"/>
                 </a:solidFill>
+                <a:latin typeface=""/>
               </a:rPr>
               <a:t>in its warranty </a:t>
             </a:r>
             <a:r>
-              <a:rPr lang="en-NL" sz="3600" i="1" dirty="0"/>
+              <a:rPr lang="en-NL" sz="3200" i="1" dirty="0">
+                <a:latin typeface=""/>
+              </a:rPr>
               <a:t>but the team has no response. Don’t buy, very expensive.”</a:t>
             </a:r>
-            <a:endParaRPr lang="en-NL" sz="4000" i="1" dirty="0"/>
+            <a:endParaRPr lang="en-NL" sz="3600" i="1" dirty="0">
+              <a:latin typeface=""/>
+            </a:endParaRPr>
           </a:p>
           <a:p>
             <a:r>
               <a:rPr lang="en-NL" sz="4000" dirty="0"/>
-              <a:t>☆★★★★  R3: “</a:t>
-            </a:r>
-            <a:r>
-              <a:rPr lang="en-NL" sz="3600" i="1" dirty="0"/>
+              <a:t>★★★★☆  </a:t>
+            </a:r>
+            <a:r>
+              <a:rPr lang="en-NL" sz="3600" dirty="0">
+                <a:latin typeface=""/>
+              </a:rPr>
+              <a:t>R3: “</a:t>
+            </a:r>
+            <a:r>
+              <a:rPr lang="en-NL" sz="3200" i="1" dirty="0">
+                <a:latin typeface=""/>
+              </a:rPr>
               <a:t>Largely my fault for not reading carefully, but it is very uncomfortable.”</a:t>
             </a:r>
-            <a:endParaRPr lang="en-NL" sz="4000" i="1" dirty="0"/>
+            <a:endParaRPr lang="en-NL" sz="3600" i="1" dirty="0">
+              <a:latin typeface=""/>
+            </a:endParaRPr>
           </a:p>
         </p:txBody>
       </p:sp>
@@ -4602,64 +4616,64 @@
           <a:p>
             <a:pPr algn="l"/>
             <a:r>
-              <a:rPr lang="en-US" sz="4000" b="0" i="0" dirty="0">
+              <a:rPr lang="en-US" sz="3600" b="0" i="0" dirty="0">
                 <a:solidFill>
                   <a:srgbClr val="1F2328"/>
                 </a:solidFill>
                 <a:effectLst/>
-                <a:latin typeface="-apple-system"/>
+                <a:latin typeface=""/>
               </a:rPr>
               <a:t>They describe the shoes on different aspects, e.g., quality, price, service, and comfort. Here is the question we aim to answer: In case reviews conflict regarding one aspect (</a:t>
             </a:r>
             <a:r>
-              <a:rPr lang="en-US" sz="4000" b="0" i="1" dirty="0">
+              <a:rPr lang="en-US" sz="3600" b="0" i="1" dirty="0">
                 <a:solidFill>
                   <a:srgbClr val="F1A944"/>
                 </a:solidFill>
                 <a:effectLst/>
-                <a:latin typeface="-apple-system"/>
+                <a:latin typeface=""/>
               </a:rPr>
               <a:t>well built</a:t>
             </a:r>
             <a:r>
-              <a:rPr lang="en-US" sz="4000" b="0" i="0" dirty="0">
+              <a:rPr lang="en-US" sz="3600" b="0" i="0" dirty="0">
                 <a:solidFill>
                   <a:srgbClr val="1F2328"/>
                 </a:solidFill>
                 <a:effectLst/>
-                <a:latin typeface="-apple-system"/>
+                <a:latin typeface=""/>
               </a:rPr>
               <a:t> vs. </a:t>
             </a:r>
             <a:r>
-              <a:rPr lang="en-US" sz="4000" b="0" i="1" dirty="0">
+              <a:rPr lang="en-US" sz="3600" b="0" i="1" dirty="0">
                 <a:solidFill>
                   <a:srgbClr val="F1A944"/>
                 </a:solidFill>
                 <a:effectLst/>
-                <a:latin typeface="-apple-system"/>
+                <a:latin typeface=""/>
               </a:rPr>
               <a:t>damaged in its warranty </a:t>
             </a:r>
             <a:r>
-              <a:rPr lang="en-US" sz="4000" dirty="0">
-                <a:latin typeface="-apple-system"/>
+              <a:rPr lang="en-US" sz="3600" dirty="0">
+                <a:latin typeface=""/>
               </a:rPr>
               <a:t>regarding</a:t>
             </a:r>
             <a:r>
-              <a:rPr lang="en-US" sz="4000" b="0" dirty="0">
+              <a:rPr lang="en-US" sz="3600" b="0" dirty="0">
                 <a:effectLst/>
-                <a:latin typeface="-apple-system"/>
+                <a:latin typeface=""/>
               </a:rPr>
               <a:t> the quality of the shoes), which ones should we trust?</a:t>
             </a:r>
-            <a:endParaRPr lang="en-US" sz="4000" b="0" i="0" dirty="0">
+            <a:endParaRPr lang="en-US" sz="3600" b="0" i="0" dirty="0">
               <a:solidFill>
                 <a:srgbClr val="1F2328"/>
               </a:solidFill>
               <a:effectLst/>
-              <a:latin typeface="-apple-system"/>
+              <a:latin typeface=""/>
             </a:endParaRPr>
           </a:p>
           <a:p>
@@ -4868,39 +4882,39 @@
           <a:p>
             <a:pPr algn="l"/>
             <a:r>
-              <a:rPr lang="en-US" sz="4000" dirty="0">
+              <a:rPr lang="en-US" sz="3600" dirty="0">
                 <a:solidFill>
                   <a:srgbClr val="1F2328"/>
                 </a:solidFill>
-                <a:latin typeface="-apple-system"/>
+                <a:latin typeface=""/>
               </a:rPr>
               <a:t>We use </a:t>
             </a:r>
             <a:r>
-              <a:rPr lang="en-US" sz="4000" b="1" dirty="0">
+              <a:rPr lang="en-US" sz="3600" b="1" dirty="0">
                 <a:solidFill>
                   <a:srgbClr val="1F2328"/>
                 </a:solidFill>
-                <a:latin typeface="-apple-system"/>
+                <a:latin typeface=""/>
               </a:rPr>
               <a:t>Abstract Argumentation Frameworks</a:t>
             </a:r>
             <a:r>
-              <a:rPr lang="en-US" sz="4000" dirty="0">
+              <a:rPr lang="en-US" sz="3600" dirty="0">
                 <a:solidFill>
                   <a:srgbClr val="1F2328"/>
                 </a:solidFill>
-                <a:latin typeface="-apple-system"/>
+                <a:latin typeface=""/>
               </a:rPr>
               <a:t> to address t</a:t>
             </a:r>
             <a:r>
-              <a:rPr lang="en-US" sz="4000" b="0" i="0" dirty="0">
+              <a:rPr lang="en-US" sz="3600" b="0" i="0" dirty="0">
                 <a:solidFill>
                   <a:srgbClr val="1F2328"/>
                 </a:solidFill>
                 <a:effectLst/>
-                <a:latin typeface="-apple-system"/>
+                <a:latin typeface=""/>
               </a:rPr>
               <a:t>he question in three steps:</a:t>
             </a:r>
@@ -5222,7 +5236,7 @@
             <p:spPr>
               <a:xfrm>
                 <a:off x="8227224" y="25581587"/>
-                <a:ext cx="5279622" cy="1015663"/>
+                <a:ext cx="5279622" cy="974932"/>
               </a:xfrm>
               <a:prstGeom prst="rect">
                 <a:avLst/>
@@ -6167,9 +6181,9 @@
         <p:grpSpPr>
           <a:xfrm>
             <a:off x="6435833" y="31315080"/>
-            <a:ext cx="22518134" cy="8919392"/>
+            <a:ext cx="22496869" cy="8919392"/>
             <a:chOff x="6435833" y="30502280"/>
-            <a:chExt cx="22518134" cy="8919392"/>
+            <a:chExt cx="22496869" cy="8919392"/>
           </a:xfrm>
         </p:grpSpPr>
         <p:pic>
@@ -6194,7 +6208,7 @@
           </p:blipFill>
           <p:spPr>
             <a:xfrm>
-              <a:off x="17621207" y="30502280"/>
+              <a:off x="17599942" y="30502280"/>
               <a:ext cx="11332760" cy="7190635"/>
             </a:xfrm>
             <a:prstGeom prst="rect">
@@ -6516,12 +6530,12 @@
           <a:p>
             <a:pPr algn="l"/>
             <a:r>
-              <a:rPr lang="en-US" sz="4000" b="0" i="0" dirty="0">
+              <a:rPr lang="en-US" sz="3600" b="0" i="0" dirty="0">
                 <a:solidFill>
                   <a:srgbClr val="1F2328"/>
                 </a:solidFill>
                 <a:effectLst/>
-                <a:latin typeface="-apple-system"/>
+                <a:latin typeface=""/>
               </a:rPr>
               <a:t>A Python package is developed to implement the pipeline, as well as GUIs for user-friendly interaction.</a:t>
             </a:r>
@@ -6538,6 +6552,42 @@
           </a:p>
         </p:txBody>
       </p:sp>
+      <p:pic>
+        <p:nvPicPr>
+          <p:cNvPr id="4" name="Graphic 3">
+            <a:extLst>
+              <a:ext uri="{FF2B5EF4-FFF2-40B4-BE49-F238E27FC236}">
+                <a16:creationId xmlns:a16="http://schemas.microsoft.com/office/drawing/2014/main" id="{567469A2-6A71-DCD8-6072-F82CFCB558AB}"/>
+              </a:ext>
+            </a:extLst>
+          </p:cNvPr>
+          <p:cNvPicPr>
+            <a:picLocks noChangeAspect="1"/>
+          </p:cNvPicPr>
+          <p:nvPr/>
+        </p:nvPicPr>
+        <p:blipFill>
+          <a:blip r:embed="rId9">
+            <a:extLst>
+              <a:ext uri="{96DAC541-7B7A-43D3-8B79-37D633B846F1}">
+                <asvg:svgBlip xmlns:asvg="http://schemas.microsoft.com/office/drawing/2016/SVG/main" r:embed="rId10"/>
+              </a:ext>
+            </a:extLst>
+          </a:blip>
+          <a:stretch>
+            <a:fillRect/>
+          </a:stretch>
+        </p:blipFill>
+        <p:spPr>
+          <a:xfrm>
+            <a:off x="1850065" y="1097611"/>
+            <a:ext cx="6398424" cy="1762920"/>
+          </a:xfrm>
+          <a:prstGeom prst="rect">
+            <a:avLst/>
+          </a:prstGeom>
+        </p:spPr>
+      </p:pic>
       <p:sp>
         <p:nvSpPr>
           <p:cNvPr id="1084" name="Subtitle 2">
@@ -6554,8 +6604,8 @@
         </p:nvSpPr>
         <p:spPr>
           <a:xfrm>
-            <a:off x="17733822" y="38927761"/>
-            <a:ext cx="11072653" cy="969497"/>
+            <a:off x="19193011" y="39965659"/>
+            <a:ext cx="5878324" cy="969497"/>
           </a:xfrm>
           <a:prstGeom prst="rect">
             <a:avLst/>
@@ -6732,13 +6782,22 @@
           <a:p>
             <a:pPr algn="l"/>
             <a:r>
-              <a:rPr lang="en-US" sz="4000" dirty="0">
-                <a:solidFill>
-                  <a:srgbClr val="1F2328"/>
-                </a:solidFill>
-                <a:latin typeface="-apple-system"/>
+              <a:rPr lang="en-US" sz="3600" b="1" dirty="0">
+                <a:solidFill>
+                  <a:srgbClr val="4D4E4C"/>
+                </a:solidFill>
+                <a:latin typeface=""/>
               </a:rPr>
-              <a:t>Find our work on      GitHub</a:t>
+              <a:t>Find our work on </a:t>
+            </a:r>
+            <a:r>
+              <a:rPr lang="en-US" sz="3600" b="1" dirty="0">
+                <a:solidFill>
+                  <a:srgbClr val="00ACDC"/>
+                </a:solidFill>
+                <a:latin typeface=""/>
+              </a:rPr>
+              <a:t>GitHub</a:t>
             </a:r>
           </a:p>
           <a:p>
@@ -6753,12 +6812,42 @@
           </a:p>
         </p:txBody>
       </p:sp>
-      <p:sp>
-        <p:nvSpPr>
-          <p:cNvPr id="1085" name="TextBox 1084">
+      <p:pic>
+        <p:nvPicPr>
+          <p:cNvPr id="9" name="Picture 8" descr="A black background with a black square&#10;&#10;Description automatically generated with medium confidence">
             <a:extLst>
               <a:ext uri="{FF2B5EF4-FFF2-40B4-BE49-F238E27FC236}">
-                <a16:creationId xmlns:a16="http://schemas.microsoft.com/office/drawing/2014/main" id="{F21C8A66-2DC5-8FF4-CE93-181657D107B4}"/>
+                <a16:creationId xmlns:a16="http://schemas.microsoft.com/office/drawing/2014/main" id="{75D1D6F7-4441-DCF7-5AA5-1A6750C90632}"/>
+              </a:ext>
+            </a:extLst>
+          </p:cNvPr>
+          <p:cNvPicPr>
+            <a:picLocks noChangeAspect="1"/>
+          </p:cNvPicPr>
+          <p:nvPr/>
+        </p:nvPicPr>
+        <p:blipFill>
+          <a:blip r:embed="rId11"/>
+          <a:stretch>
+            <a:fillRect/>
+          </a:stretch>
+        </p:blipFill>
+        <p:spPr>
+          <a:xfrm>
+            <a:off x="25496872" y="39199216"/>
+            <a:ext cx="2695884" cy="2695884"/>
+          </a:xfrm>
+          <a:prstGeom prst="rect">
+            <a:avLst/>
+          </a:prstGeom>
+        </p:spPr>
+      </p:pic>
+      <p:sp>
+        <p:nvSpPr>
+          <p:cNvPr id="11" name="TextBox 10">
+            <a:extLst>
+              <a:ext uri="{FF2B5EF4-FFF2-40B4-BE49-F238E27FC236}">
+                <a16:creationId xmlns:a16="http://schemas.microsoft.com/office/drawing/2014/main" id="{476D0ED6-45A5-5158-F127-8DC0455505AD}"/>
               </a:ext>
             </a:extLst>
           </p:cNvPr>
@@ -6767,8 +6856,8 @@
         </p:nvSpPr>
         <p:spPr>
           <a:xfrm>
-            <a:off x="17759222" y="39528623"/>
-            <a:ext cx="10998717" cy="1138773"/>
+            <a:off x="13933562" y="8213297"/>
+            <a:ext cx="11375935" cy="569387"/>
           </a:xfrm>
           <a:prstGeom prst="rect">
             <a:avLst/>
@@ -6782,108 +6871,271 @@
           <a:lstStyle/>
           <a:p>
             <a:r>
-              <a:rPr lang="en-US" sz="3400" dirty="0">
-                <a:solidFill>
-                  <a:srgbClr val="1F2328"/>
-                </a:solidFill>
-                <a:latin typeface="-apple-system"/>
+              <a:rPr lang="en-NL" sz="3100" dirty="0">
+                <a:latin typeface=""/>
               </a:rPr>
-              <a:t>https://</a:t>
-            </a:r>
-            <a:r>
-              <a:rPr lang="en-US" sz="3400" dirty="0" err="1">
-                <a:solidFill>
-                  <a:srgbClr val="1F2328"/>
-                </a:solidFill>
-                <a:latin typeface="-apple-system"/>
+              <a:t>Knowledge in Artificial Intelligence, Vrije Universiteit Amsterdam</a:t>
+            </a:r>
+          </a:p>
+        </p:txBody>
+      </p:sp>
+      <p:sp>
+        <p:nvSpPr>
+          <p:cNvPr id="15" name="Subtitle 2">
+            <a:extLst>
+              <a:ext uri="{FF2B5EF4-FFF2-40B4-BE49-F238E27FC236}">
+                <a16:creationId xmlns:a16="http://schemas.microsoft.com/office/drawing/2014/main" id="{D3265257-2F8E-3067-F710-B798FC869972}"/>
+              </a:ext>
+            </a:extLst>
+          </p:cNvPr>
+          <p:cNvSpPr txBox="1">
+            <a:spLocks/>
+          </p:cNvSpPr>
+          <p:nvPr/>
+        </p:nvSpPr>
+        <p:spPr>
+          <a:xfrm>
+            <a:off x="10045729" y="9097699"/>
+            <a:ext cx="19151600" cy="1536452"/>
+          </a:xfrm>
+          <a:prstGeom prst="rect">
+            <a:avLst/>
+          </a:prstGeom>
+        </p:spPr>
+        <p:txBody>
+          <a:bodyPr vert="horz" lIns="91440" tIns="45720" rIns="91440" bIns="45720" rtlCol="0">
+            <a:normAutofit/>
+          </a:bodyPr>
+          <a:lstStyle>
+            <a:lvl1pPr marL="0" indent="0" algn="ctr" defTabSz="3027487" rtl="0" eaLnBrk="1" latinLnBrk="0" hangingPunct="1">
+              <a:lnSpc>
+                <a:spcPct val="90000"/>
+              </a:lnSpc>
+              <a:spcBef>
+                <a:spcPts val="3311"/>
+              </a:spcBef>
+              <a:buFont typeface="Arial" panose="020B0604020202020204" pitchFamily="34" charset="0"/>
+              <a:buNone/>
+              <a:defRPr sz="7946" kern="1200">
+                <a:solidFill>
+                  <a:schemeClr val="tx1"/>
+                </a:solidFill>
+                <a:latin typeface="+mn-lt"/>
+                <a:ea typeface="+mn-ea"/>
+                <a:cs typeface="+mn-cs"/>
+              </a:defRPr>
+            </a:lvl1pPr>
+            <a:lvl2pPr marL="1513743" indent="0" algn="ctr" defTabSz="3027487" rtl="0" eaLnBrk="1" latinLnBrk="0" hangingPunct="1">
+              <a:lnSpc>
+                <a:spcPct val="90000"/>
+              </a:lnSpc>
+              <a:spcBef>
+                <a:spcPts val="1655"/>
+              </a:spcBef>
+              <a:buFont typeface="Arial" panose="020B0604020202020204" pitchFamily="34" charset="0"/>
+              <a:buNone/>
+              <a:defRPr sz="6622" kern="1200">
+                <a:solidFill>
+                  <a:schemeClr val="tx1"/>
+                </a:solidFill>
+                <a:latin typeface="+mn-lt"/>
+                <a:ea typeface="+mn-ea"/>
+                <a:cs typeface="+mn-cs"/>
+              </a:defRPr>
+            </a:lvl2pPr>
+            <a:lvl3pPr marL="3027487" indent="0" algn="ctr" defTabSz="3027487" rtl="0" eaLnBrk="1" latinLnBrk="0" hangingPunct="1">
+              <a:lnSpc>
+                <a:spcPct val="90000"/>
+              </a:lnSpc>
+              <a:spcBef>
+                <a:spcPts val="1655"/>
+              </a:spcBef>
+              <a:buFont typeface="Arial" panose="020B0604020202020204" pitchFamily="34" charset="0"/>
+              <a:buNone/>
+              <a:defRPr sz="5960" kern="1200">
+                <a:solidFill>
+                  <a:schemeClr val="tx1"/>
+                </a:solidFill>
+                <a:latin typeface="+mn-lt"/>
+                <a:ea typeface="+mn-ea"/>
+                <a:cs typeface="+mn-cs"/>
+              </a:defRPr>
+            </a:lvl3pPr>
+            <a:lvl4pPr marL="4541230" indent="0" algn="ctr" defTabSz="3027487" rtl="0" eaLnBrk="1" latinLnBrk="0" hangingPunct="1">
+              <a:lnSpc>
+                <a:spcPct val="90000"/>
+              </a:lnSpc>
+              <a:spcBef>
+                <a:spcPts val="1655"/>
+              </a:spcBef>
+              <a:buFont typeface="Arial" panose="020B0604020202020204" pitchFamily="34" charset="0"/>
+              <a:buNone/>
+              <a:defRPr sz="5297" kern="1200">
+                <a:solidFill>
+                  <a:schemeClr val="tx1"/>
+                </a:solidFill>
+                <a:latin typeface="+mn-lt"/>
+                <a:ea typeface="+mn-ea"/>
+                <a:cs typeface="+mn-cs"/>
+              </a:defRPr>
+            </a:lvl4pPr>
+            <a:lvl5pPr marL="6054974" indent="0" algn="ctr" defTabSz="3027487" rtl="0" eaLnBrk="1" latinLnBrk="0" hangingPunct="1">
+              <a:lnSpc>
+                <a:spcPct val="90000"/>
+              </a:lnSpc>
+              <a:spcBef>
+                <a:spcPts val="1655"/>
+              </a:spcBef>
+              <a:buFont typeface="Arial" panose="020B0604020202020204" pitchFamily="34" charset="0"/>
+              <a:buNone/>
+              <a:defRPr sz="5297" kern="1200">
+                <a:solidFill>
+                  <a:schemeClr val="tx1"/>
+                </a:solidFill>
+                <a:latin typeface="+mn-lt"/>
+                <a:ea typeface="+mn-ea"/>
+                <a:cs typeface="+mn-cs"/>
+              </a:defRPr>
+            </a:lvl5pPr>
+            <a:lvl6pPr marL="7568717" indent="0" algn="ctr" defTabSz="3027487" rtl="0" eaLnBrk="1" latinLnBrk="0" hangingPunct="1">
+              <a:lnSpc>
+                <a:spcPct val="90000"/>
+              </a:lnSpc>
+              <a:spcBef>
+                <a:spcPts val="1655"/>
+              </a:spcBef>
+              <a:buFont typeface="Arial" panose="020B0604020202020204" pitchFamily="34" charset="0"/>
+              <a:buNone/>
+              <a:defRPr sz="5297" kern="1200">
+                <a:solidFill>
+                  <a:schemeClr val="tx1"/>
+                </a:solidFill>
+                <a:latin typeface="+mn-lt"/>
+                <a:ea typeface="+mn-ea"/>
+                <a:cs typeface="+mn-cs"/>
+              </a:defRPr>
+            </a:lvl6pPr>
+            <a:lvl7pPr marL="9082461" indent="0" algn="ctr" defTabSz="3027487" rtl="0" eaLnBrk="1" latinLnBrk="0" hangingPunct="1">
+              <a:lnSpc>
+                <a:spcPct val="90000"/>
+              </a:lnSpc>
+              <a:spcBef>
+                <a:spcPts val="1655"/>
+              </a:spcBef>
+              <a:buFont typeface="Arial" panose="020B0604020202020204" pitchFamily="34" charset="0"/>
+              <a:buNone/>
+              <a:defRPr sz="5297" kern="1200">
+                <a:solidFill>
+                  <a:schemeClr val="tx1"/>
+                </a:solidFill>
+                <a:latin typeface="+mn-lt"/>
+                <a:ea typeface="+mn-ea"/>
+                <a:cs typeface="+mn-cs"/>
+              </a:defRPr>
+            </a:lvl7pPr>
+            <a:lvl8pPr marL="10596204" indent="0" algn="ctr" defTabSz="3027487" rtl="0" eaLnBrk="1" latinLnBrk="0" hangingPunct="1">
+              <a:lnSpc>
+                <a:spcPct val="90000"/>
+              </a:lnSpc>
+              <a:spcBef>
+                <a:spcPts val="1655"/>
+              </a:spcBef>
+              <a:buFont typeface="Arial" panose="020B0604020202020204" pitchFamily="34" charset="0"/>
+              <a:buNone/>
+              <a:defRPr sz="5297" kern="1200">
+                <a:solidFill>
+                  <a:schemeClr val="tx1"/>
+                </a:solidFill>
+                <a:latin typeface="+mn-lt"/>
+                <a:ea typeface="+mn-ea"/>
+                <a:cs typeface="+mn-cs"/>
+              </a:defRPr>
+            </a:lvl8pPr>
+            <a:lvl9pPr marL="12109948" indent="0" algn="ctr" defTabSz="3027487" rtl="0" eaLnBrk="1" latinLnBrk="0" hangingPunct="1">
+              <a:lnSpc>
+                <a:spcPct val="90000"/>
+              </a:lnSpc>
+              <a:spcBef>
+                <a:spcPts val="1655"/>
+              </a:spcBef>
+              <a:buFont typeface="Arial" panose="020B0604020202020204" pitchFamily="34" charset="0"/>
+              <a:buNone/>
+              <a:defRPr sz="5297" kern="1200">
+                <a:solidFill>
+                  <a:schemeClr val="tx1"/>
+                </a:solidFill>
+                <a:latin typeface="+mn-lt"/>
+                <a:ea typeface="+mn-ea"/>
+                <a:cs typeface="+mn-cs"/>
+              </a:defRPr>
+            </a:lvl9pPr>
+          </a:lstStyle>
+          <a:p>
+            <a:r>
+              <a:rPr lang="en-NL" sz="3100" dirty="0">
+                <a:solidFill>
+                  <a:srgbClr val="00ACDC"/>
+                </a:solidFill>
+                <a:latin typeface=""/>
               </a:rPr>
-              <a:t>github.com</a:t>
-            </a:r>
-            <a:r>
-              <a:rPr lang="en-US" sz="3400" dirty="0">
-                <a:solidFill>
-                  <a:srgbClr val="1F2328"/>
-                </a:solidFill>
-                <a:latin typeface="-apple-system"/>
+              <a:t>Davide Ceolin</a:t>
+            </a:r>
+            <a:r>
+              <a:rPr lang="en-NL" sz="3100" dirty="0">
+                <a:latin typeface=""/>
               </a:rPr>
-              <a:t>/</a:t>
-            </a:r>
-            <a:r>
-              <a:rPr lang="en-US" sz="3400" dirty="0" err="1">
-                <a:solidFill>
-                  <a:srgbClr val="1F2328"/>
-                </a:solidFill>
-                <a:latin typeface="-apple-system"/>
+              <a:t>, Human-Centered Data Analysis, Centrum Wiskunde &amp; Informatica</a:t>
+            </a:r>
+          </a:p>
+          <a:p>
+            <a:r>
+              <a:rPr lang="en-NL" sz="3100" dirty="0">
+                <a:latin typeface=""/>
               </a:rPr>
-              <a:t>EyeofBeholder</a:t>
-            </a:r>
-            <a:r>
-              <a:rPr lang="en-US" sz="3400" dirty="0">
-                <a:solidFill>
-                  <a:srgbClr val="1F2328"/>
-                </a:solidFill>
-                <a:latin typeface="-apple-system"/>
-              </a:rPr>
-              <a:t>-NLeSC/orange3-argument</a:t>
-            </a:r>
-            <a:endParaRPr lang="en-US" sz="3400" b="0" i="0" dirty="0">
-              <a:solidFill>
-                <a:srgbClr val="1F2328"/>
-              </a:solidFill>
-              <a:effectLst/>
-              <a:latin typeface="-apple-system"/>
+              <a:t>j.qi@esciencecenter.nl, akz@cwi.nl, davide@cwi.nl</a:t>
+            </a:r>
+          </a:p>
+          <a:p>
+            <a:endParaRPr lang="en-NL" sz="3100" dirty="0">
+              <a:latin typeface=""/>
             </a:endParaRPr>
-          </a:p>
-          <a:p>
-            <a:endParaRPr lang="en-NL" sz="3400" dirty="0"/>
           </a:p>
         </p:txBody>
       </p:sp>
       <p:pic>
         <p:nvPicPr>
-          <p:cNvPr id="1086" name="Picture 6" descr="Github Logo - Free social media icons">
+          <p:cNvPr id="22" name="Graphic 21">
             <a:extLst>
               <a:ext uri="{FF2B5EF4-FFF2-40B4-BE49-F238E27FC236}">
-                <a16:creationId xmlns:a16="http://schemas.microsoft.com/office/drawing/2014/main" id="{333B0C13-9A27-9A69-1832-4B9D9A6FCF69}"/>
+                <a16:creationId xmlns:a16="http://schemas.microsoft.com/office/drawing/2014/main" id="{A9FCF2EB-9566-A949-BF21-D2EE0A87F301}"/>
               </a:ext>
             </a:extLst>
           </p:cNvPr>
           <p:cNvPicPr>
-            <a:picLocks noChangeAspect="1" noChangeArrowheads="1"/>
+            <a:picLocks noChangeAspect="1"/>
           </p:cNvPicPr>
           <p:nvPr/>
         </p:nvPicPr>
         <p:blipFill>
-          <a:blip r:embed="rId9">
+          <a:blip r:embed="rId12">
             <a:extLst>
-              <a:ext uri="{28A0092B-C50C-407E-A947-70E740481C1C}">
-                <a14:useLocalDpi xmlns:a14="http://schemas.microsoft.com/office/drawing/2010/main" val="0"/>
+              <a:ext uri="{96DAC541-7B7A-43D3-8B79-37D633B846F1}">
+                <asvg:svgBlip xmlns:asvg="http://schemas.microsoft.com/office/drawing/2016/SVG/main" r:embed="rId13"/>
               </a:ext>
             </a:extLst>
           </a:blip>
-          <a:srcRect/>
           <a:stretch>
             <a:fillRect/>
           </a:stretch>
         </p:blipFill>
-        <p:spPr bwMode="auto">
+        <p:spPr>
           <a:xfrm>
-            <a:off x="21488027" y="38973591"/>
-            <a:ext cx="481012" cy="481012"/>
+            <a:off x="1850065" y="6723212"/>
+            <a:ext cx="6572176" cy="1967467"/>
           </a:xfrm>
           <a:prstGeom prst="rect">
             <a:avLst/>
           </a:prstGeom>
-          <a:noFill/>
-          <a:extLst>
-            <a:ext uri="{909E8E84-426E-40DD-AFC4-6F175D3DCCD1}">
-              <a14:hiddenFill xmlns:a14="http://schemas.microsoft.com/office/drawing/2010/main">
-                <a:solidFill>
-                  <a:srgbClr val="FFFFFF"/>
-                </a:solidFill>
-              </a14:hiddenFill>
-            </a:ext>
-          </a:extLst>
         </p:spPr>
       </p:pic>
     </p:spTree>

--- a/poster/odissei_poster.pptx
+++ b/poster/odissei_poster.pptx
@@ -6834,8 +6834,8 @@
         </p:blipFill>
         <p:spPr>
           <a:xfrm>
-            <a:off x="25496872" y="39199216"/>
-            <a:ext cx="2695884" cy="2695884"/>
+            <a:off x="25309497" y="38964682"/>
+            <a:ext cx="3303457" cy="3303457"/>
           </a:xfrm>
           <a:prstGeom prst="rect">
             <a:avLst/>

--- a/poster/odissei_poster.pptx
+++ b/poster/odissei_poster.pptx
@@ -3322,7 +3322,7 @@
         </p:nvGrpSpPr>
         <p:grpSpPr>
           <a:xfrm>
-            <a:off x="1329084" y="3341330"/>
+            <a:off x="1329084" y="3455632"/>
             <a:ext cx="7541534" cy="3351001"/>
             <a:chOff x="10629204" y="10362990"/>
             <a:chExt cx="7541534" cy="3351001"/>
@@ -7104,38 +7104,49 @@
       </p:sp>
       <p:pic>
         <p:nvPicPr>
-          <p:cNvPr id="22" name="Graphic 21">
+          <p:cNvPr id="1028" name="Picture 4" descr="VU logo – VU BrandBook">
             <a:extLst>
               <a:ext uri="{FF2B5EF4-FFF2-40B4-BE49-F238E27FC236}">
-                <a16:creationId xmlns:a16="http://schemas.microsoft.com/office/drawing/2014/main" id="{A9FCF2EB-9566-A949-BF21-D2EE0A87F301}"/>
+                <a16:creationId xmlns:a16="http://schemas.microsoft.com/office/drawing/2014/main" id="{A11B8A86-D2F4-E970-A657-865307933FB7}"/>
               </a:ext>
             </a:extLst>
           </p:cNvPr>
           <p:cNvPicPr>
-            <a:picLocks noChangeAspect="1"/>
+            <a:picLocks noChangeAspect="1" noChangeArrowheads="1"/>
           </p:cNvPicPr>
           <p:nvPr/>
         </p:nvPicPr>
         <p:blipFill>
           <a:blip r:embed="rId12">
             <a:extLst>
-              <a:ext uri="{96DAC541-7B7A-43D3-8B79-37D633B846F1}">
-                <asvg:svgBlip xmlns:asvg="http://schemas.microsoft.com/office/drawing/2016/SVG/main" r:embed="rId13"/>
+              <a:ext uri="{28A0092B-C50C-407E-A947-70E740481C1C}">
+                <a14:useLocalDpi xmlns:a14="http://schemas.microsoft.com/office/drawing/2010/main" val="0"/>
               </a:ext>
             </a:extLst>
           </a:blip>
+          <a:srcRect/>
           <a:stretch>
             <a:fillRect/>
           </a:stretch>
         </p:blipFill>
-        <p:spPr>
+        <p:spPr bwMode="auto">
           <a:xfrm>
-            <a:off x="1850065" y="6723212"/>
-            <a:ext cx="6572176" cy="1967467"/>
+            <a:off x="1481608" y="6706619"/>
+            <a:ext cx="7192489" cy="2151178"/>
           </a:xfrm>
           <a:prstGeom prst="rect">
             <a:avLst/>
           </a:prstGeom>
+          <a:noFill/>
+          <a:extLst>
+            <a:ext uri="{909E8E84-426E-40DD-AFC4-6F175D3DCCD1}">
+              <a14:hiddenFill xmlns:a14="http://schemas.microsoft.com/office/drawing/2010/main">
+                <a:solidFill>
+                  <a:srgbClr val="FFFFFF"/>
+                </a:solidFill>
+              </a14:hiddenFill>
+            </a:ext>
+          </a:extLst>
         </p:spPr>
       </p:pic>
     </p:spTree>

--- a/poster/odissei_poster.pptx
+++ b/poster/odissei_poster.pptx
@@ -3389,8 +3389,8 @@
           </p:nvSpPr>
           <p:spPr>
             <a:xfrm>
-              <a:off x="13518581" y="12248716"/>
-              <a:ext cx="4285853" cy="453970"/>
+              <a:off x="13495212" y="12232422"/>
+              <a:ext cx="4367221" cy="461665"/>
             </a:xfrm>
             <a:prstGeom prst="rect">
               <a:avLst/>
@@ -6580,8 +6580,8 @@
         </p:blipFill>
         <p:spPr>
           <a:xfrm>
-            <a:off x="1850065" y="1097611"/>
-            <a:ext cx="6398424" cy="1762920"/>
+            <a:off x="1799264" y="1111701"/>
+            <a:ext cx="6481136" cy="1755180"/>
           </a:xfrm>
           <a:prstGeom prst="rect">
             <a:avLst/>
@@ -7104,49 +7104,38 @@
       </p:sp>
       <p:pic>
         <p:nvPicPr>
-          <p:cNvPr id="1028" name="Picture 4" descr="VU logo – VU BrandBook">
+          <p:cNvPr id="7" name="Graphic 6">
             <a:extLst>
               <a:ext uri="{FF2B5EF4-FFF2-40B4-BE49-F238E27FC236}">
-                <a16:creationId xmlns:a16="http://schemas.microsoft.com/office/drawing/2014/main" id="{A11B8A86-D2F4-E970-A657-865307933FB7}"/>
+                <a16:creationId xmlns:a16="http://schemas.microsoft.com/office/drawing/2014/main" id="{E37EE838-73F4-F490-027D-5CD9DAEFDBCA}"/>
               </a:ext>
             </a:extLst>
           </p:cNvPr>
           <p:cNvPicPr>
-            <a:picLocks noChangeAspect="1" noChangeArrowheads="1"/>
+            <a:picLocks noChangeAspect="1"/>
           </p:cNvPicPr>
           <p:nvPr/>
         </p:nvPicPr>
         <p:blipFill>
           <a:blip r:embed="rId12">
             <a:extLst>
-              <a:ext uri="{28A0092B-C50C-407E-A947-70E740481C1C}">
-                <a14:useLocalDpi xmlns:a14="http://schemas.microsoft.com/office/drawing/2010/main" val="0"/>
+              <a:ext uri="{96DAC541-7B7A-43D3-8B79-37D633B846F1}">
+                <asvg:svgBlip xmlns:asvg="http://schemas.microsoft.com/office/drawing/2016/SVG/main" r:embed="rId13"/>
               </a:ext>
             </a:extLst>
           </a:blip>
-          <a:srcRect/>
           <a:stretch>
             <a:fillRect/>
           </a:stretch>
         </p:blipFill>
-        <p:spPr bwMode="auto">
+        <p:spPr>
           <a:xfrm>
-            <a:off x="1481608" y="6706619"/>
-            <a:ext cx="7192489" cy="2151178"/>
+            <a:off x="1860224" y="7049368"/>
+            <a:ext cx="6481136" cy="1940213"/>
           </a:xfrm>
           <a:prstGeom prst="rect">
             <a:avLst/>
           </a:prstGeom>
-          <a:noFill/>
-          <a:extLst>
-            <a:ext uri="{909E8E84-426E-40DD-AFC4-6F175D3DCCD1}">
-              <a14:hiddenFill xmlns:a14="http://schemas.microsoft.com/office/drawing/2010/main">
-                <a:solidFill>
-                  <a:srgbClr val="FFFFFF"/>
-                </a:solidFill>
-              </a14:hiddenFill>
-            </a:ext>
-          </a:extLst>
         </p:spPr>
       </p:pic>
     </p:spTree>

--- a/poster/odissei_poster.pptx
+++ b/poster/odissei_poster.pptx
@@ -3092,8 +3092,8 @@
         </p:nvSpPr>
         <p:spPr>
           <a:xfrm>
-            <a:off x="10629204" y="6950610"/>
-            <a:ext cx="19151600" cy="1369511"/>
+            <a:off x="9961975" y="6950956"/>
+            <a:ext cx="20395020" cy="1369511"/>
           </a:xfrm>
           <a:prstGeom prst="rect">
             <a:avLst/>
@@ -3269,7 +3269,7 @@
           </a:lstStyle>
           <a:p>
             <a:r>
-              <a:rPr lang="en-NL" sz="3100" dirty="0">
+              <a:rPr lang="en-NL" sz="2800" dirty="0">
                 <a:solidFill>
                   <a:srgbClr val="00ACDC"/>
                 </a:solidFill>
@@ -3278,15 +3278,15 @@
               <a:t>Ji Qi</a:t>
             </a:r>
             <a:r>
-              <a:rPr lang="en-NL" sz="3100" dirty="0">
+              <a:rPr lang="en-NL" sz="2800" dirty="0">
                 <a:latin typeface=""/>
               </a:rPr>
-              <a:t>, Research Software Engineer, Social Science and Humanities Section, Netherlands eScience Center</a:t>
-            </a:r>
-          </a:p>
-          <a:p>
-            <a:r>
-              <a:rPr lang="en-NL" sz="3100" dirty="0">
+              <a:t>, Research Software Engineer, Social Science and Humanities Section, Netherlands eScience Center, The Netherlands</a:t>
+            </a:r>
+          </a:p>
+          <a:p>
+            <a:r>
+              <a:rPr lang="en-NL" sz="2800" dirty="0">
                 <a:solidFill>
                   <a:srgbClr val="00ACDC"/>
                 </a:solidFill>
@@ -3295,14 +3295,14 @@
               <a:t>Atefeh Keshavarzi Zafarghandi</a:t>
             </a:r>
             <a:r>
-              <a:rPr lang="en-NL" sz="3100" dirty="0">
+              <a:rPr lang="en-NL" sz="2800" dirty="0">
                 <a:latin typeface=""/>
               </a:rPr>
               <a:t>, Human-Centered Data Analysis, Centrum Wiskunde &amp; Informatica;</a:t>
             </a:r>
           </a:p>
           <a:p>
-            <a:endParaRPr lang="en-NL" sz="3100" dirty="0">
+            <a:endParaRPr lang="en-NL" sz="2800" dirty="0">
               <a:latin typeface=""/>
             </a:endParaRPr>
           </a:p>
@@ -6856,8 +6856,8 @@
         </p:nvSpPr>
         <p:spPr>
           <a:xfrm>
-            <a:off x="13933562" y="8213297"/>
-            <a:ext cx="11375935" cy="569387"/>
+            <a:off x="15952727" y="8101064"/>
+            <a:ext cx="7541295" cy="523220"/>
           </a:xfrm>
           <a:prstGeom prst="rect">
             <a:avLst/>
@@ -6871,10 +6871,10 @@
           <a:lstStyle/>
           <a:p>
             <a:r>
-              <a:rPr lang="en-NL" sz="3100" dirty="0">
+              <a:rPr lang="en-NL" sz="2800" dirty="0">
                 <a:latin typeface=""/>
               </a:rPr>
-              <a:t>Knowledge in Artificial Intelligence, Vrije Universiteit Amsterdam</a:t>
+              <a:t>Vrije Universiteit Amsterdam, The Netherlands</a:t>
             </a:r>
           </a:p>
         </p:txBody>
@@ -6895,7 +6895,7 @@
         </p:nvSpPr>
         <p:spPr>
           <a:xfrm>
-            <a:off x="10045729" y="9097699"/>
+            <a:off x="10583685" y="8879871"/>
             <a:ext cx="19151600" cy="1536452"/>
           </a:xfrm>
           <a:prstGeom prst="rect">
@@ -7072,7 +7072,7 @@
           </a:lstStyle>
           <a:p>
             <a:r>
-              <a:rPr lang="en-NL" sz="3100" dirty="0">
+              <a:rPr lang="en-NL" sz="2800" dirty="0">
                 <a:solidFill>
                   <a:srgbClr val="00ACDC"/>
                 </a:solidFill>
@@ -7081,22 +7081,22 @@
               <a:t>Davide Ceolin</a:t>
             </a:r>
             <a:r>
-              <a:rPr lang="en-NL" sz="3100" dirty="0">
+              <a:rPr lang="en-NL" sz="2800" dirty="0">
                 <a:latin typeface=""/>
               </a:rPr>
-              <a:t>, Human-Centered Data Analysis, Centrum Wiskunde &amp; Informatica</a:t>
-            </a:r>
-          </a:p>
-          <a:p>
-            <a:r>
-              <a:rPr lang="en-NL" sz="3100" dirty="0">
+              <a:t>, Human-Centered Data Analysis, Centrum Wiskunde &amp; Informatica, The Netherlands</a:t>
+            </a:r>
+          </a:p>
+          <a:p>
+            <a:r>
+              <a:rPr lang="en-NL" sz="2800" dirty="0">
                 <a:latin typeface=""/>
               </a:rPr>
               <a:t>j.qi@esciencecenter.nl, akz@cwi.nl, davide@cwi.nl</a:t>
             </a:r>
           </a:p>
           <a:p>
-            <a:endParaRPr lang="en-NL" sz="3100" dirty="0">
+            <a:endParaRPr lang="en-NL" sz="2800" dirty="0">
               <a:latin typeface=""/>
             </a:endParaRPr>
           </a:p>

--- a/poster/odissei_poster.pptx
+++ b/poster/odissei_poster.pptx
@@ -3281,7 +3281,7 @@
               <a:rPr lang="en-NL" sz="2800" dirty="0">
                 <a:latin typeface=""/>
               </a:rPr>
-              <a:t>, Research Software Engineer, Social Science and Humanities Section, Netherlands eScience Center, The Netherlands</a:t>
+              <a:t>, Research Software Engineer, Social Science and Humanities Section, Netherlands eScience Center</a:t>
             </a:r>
           </a:p>
           <a:p>
@@ -6834,7 +6834,7 @@
         </p:blipFill>
         <p:spPr>
           <a:xfrm>
-            <a:off x="25309497" y="38964682"/>
+            <a:off x="25614297" y="39015482"/>
             <a:ext cx="3303457" cy="3303457"/>
           </a:xfrm>
           <a:prstGeom prst="rect">

--- a/poster/odissei_poster.pptx
+++ b/poster/odissei_poster.pptx
@@ -3298,7 +3298,7 @@
               <a:rPr lang="en-NL" sz="2800" dirty="0">
                 <a:latin typeface=""/>
               </a:rPr>
-              <a:t>, Human-Centered Data Analysis, Centrum Wiskunde &amp; Informatica;</a:t>
+              <a:t>, Human-Centered Data Analytics, Centrum Wiskunde &amp; Informatica;</a:t>
             </a:r>
           </a:p>
           <a:p>
@@ -4228,7 +4228,26 @@
                 <a:effectLst/>
                 <a:latin typeface=""/>
               </a:rPr>
-              <a:t>This study focuses on the creation of a valuable resource powered by formal argumentation for new users by effectively analyzing product reviews </a:t>
+              <a:t>This study focuses on the creation of a valuable resource powered by formal argumentation for not only new users bu</a:t>
+            </a:r>
+            <a:r>
+              <a:rPr lang="en-US" sz="3600" dirty="0">
+                <a:solidFill>
+                  <a:srgbClr val="1F2328"/>
+                </a:solidFill>
+                <a:latin typeface=""/>
+              </a:rPr>
+              <a:t>t also companies</a:t>
+            </a:r>
+            <a:r>
+              <a:rPr lang="en-US" sz="3600" b="0" i="0" dirty="0">
+                <a:solidFill>
+                  <a:srgbClr val="1F2328"/>
+                </a:solidFill>
+                <a:effectLst/>
+                <a:latin typeface=""/>
+              </a:rPr>
+              <a:t> by effectively analyzing product reviews </a:t>
             </a:r>
             <a:r>
               <a:rPr lang="en-US" sz="3600" b="0" i="0" dirty="0">
@@ -6856,7 +6875,7 @@
         </p:nvSpPr>
         <p:spPr>
           <a:xfrm>
-            <a:off x="15952727" y="8101064"/>
+            <a:off x="16257527" y="8101064"/>
             <a:ext cx="7541295" cy="523220"/>
           </a:xfrm>
           <a:prstGeom prst="rect">
@@ -6895,7 +6914,7 @@
         </p:nvSpPr>
         <p:spPr>
           <a:xfrm>
-            <a:off x="10583685" y="8879871"/>
+            <a:off x="10532885" y="8879871"/>
             <a:ext cx="19151600" cy="1536452"/>
           </a:xfrm>
           <a:prstGeom prst="rect">
@@ -7084,7 +7103,7 @@
               <a:rPr lang="en-NL" sz="2800" dirty="0">
                 <a:latin typeface=""/>
               </a:rPr>
-              <a:t>, Human-Centered Data Analysis, Centrum Wiskunde &amp; Informatica, The Netherlands</a:t>
+              <a:t>, Human-Centered Data Analytics, Centrum Wiskunde &amp; Informatica, The Netherlands</a:t>
             </a:r>
           </a:p>
           <a:p>
